--- a/Network Reference.pptx
+++ b/Network Reference.pptx
@@ -106,6 +106,22 @@
       </a:defRPr>
     </a:lvl9pPr>
   </p:defaultTextStyle>
+  <p:extLst>
+    <p:ext uri="{EFAFB233-063F-42B5-8137-9DF3F51BA10A}">
+      <p15:sldGuideLst xmlns:p15="http://schemas.microsoft.com/office/powerpoint/2012/main">
+        <p15:guide id="1" orient="horz" pos="2160">
+          <p15:clr>
+            <a:srgbClr val="A4A3A4"/>
+          </p15:clr>
+        </p15:guide>
+        <p15:guide id="2" pos="2880">
+          <p15:clr>
+            <a:srgbClr val="A4A3A4"/>
+          </p15:clr>
+        </p15:guide>
+      </p15:sldGuideLst>
+    </p:ext>
+  </p:extLst>
 </p:presentation>
 </file>
 
@@ -3099,19 +3115,23 @@
       </p:grpSpPr>
       <p:sp>
         <p:nvSpPr>
-          <p:cNvPr id="4" name="Rectangle 3"/>
+          <p:cNvPr id="92" name="Rectangle 91"/>
           <p:cNvSpPr/>
           <p:nvPr/>
         </p:nvSpPr>
         <p:spPr>
           <a:xfrm>
-            <a:off x="1371600" y="1143000"/>
-            <a:ext cx="6400800" cy="4572000"/>
+            <a:off x="4010066" y="3086745"/>
+            <a:ext cx="3533733" cy="797789"/>
           </a:xfrm>
           <a:prstGeom prst="rect">
             <a:avLst/>
           </a:prstGeom>
-          <a:noFill/>
+          <a:solidFill>
+            <a:schemeClr val="bg1">
+              <a:lumMod val="85000"/>
+            </a:schemeClr>
+          </a:solidFill>
         </p:spPr>
         <p:style>
           <a:lnRef idx="2">
@@ -3134,50 +3154,61 @@
           <a:lstStyle/>
           <a:p>
             <a:pPr algn="ctr"/>
-            <a:endParaRPr lang="en-US" b="1" dirty="0"/>
-          </a:p>
-        </p:txBody>
-      </p:sp>
-      <p:sp>
-        <p:nvSpPr>
-          <p:cNvPr id="6" name="TextBox 5"/>
-          <p:cNvSpPr txBox="1"/>
+            <a:endParaRPr lang="en-US"/>
+          </a:p>
+        </p:txBody>
+      </p:sp>
+      <p:sp>
+        <p:nvSpPr>
+          <p:cNvPr id="4" name="Rectangle 3"/>
+          <p:cNvSpPr/>
           <p:nvPr/>
         </p:nvSpPr>
         <p:spPr>
           <a:xfrm>
-            <a:off x="3693394" y="346791"/>
-            <a:ext cx="1757212" cy="369332"/>
+            <a:off x="1371600" y="1143000"/>
+            <a:ext cx="6400800" cy="4572000"/>
           </a:xfrm>
           <a:prstGeom prst="rect">
             <a:avLst/>
           </a:prstGeom>
           <a:noFill/>
         </p:spPr>
-        <p:txBody>
-          <a:bodyPr wrap="none" rtlCol="0" anchor="ctr">
-            <a:spAutoFit/>
-          </a:bodyPr>
+        <p:style>
+          <a:lnRef idx="2">
+            <a:schemeClr val="accent1">
+              <a:shade val="50000"/>
+            </a:schemeClr>
+          </a:lnRef>
+          <a:fillRef idx="1">
+            <a:schemeClr val="accent1"/>
+          </a:fillRef>
+          <a:effectRef idx="0">
+            <a:schemeClr val="accent1"/>
+          </a:effectRef>
+          <a:fontRef idx="minor">
+            <a:schemeClr val="lt1"/>
+          </a:fontRef>
+        </p:style>
+        <p:txBody>
+          <a:bodyPr rtlCol="0" anchor="ctr"/>
           <a:lstStyle/>
           <a:p>
             <a:pPr algn="ctr"/>
-            <a:r>
-              <a:rPr lang="en-US" dirty="0" smtClean="0"/>
-              <a:t>Channel Pipeline</a:t>
-            </a:r>
-          </a:p>
-        </p:txBody>
-      </p:sp>
-      <p:sp>
-        <p:nvSpPr>
-          <p:cNvPr id="7" name="TextBox 6"/>
+            <a:endParaRPr lang="en-US" b="1" dirty="0"/>
+          </a:p>
+        </p:txBody>
+      </p:sp>
+      <p:sp>
+        <p:nvSpPr>
+          <p:cNvPr id="6" name="TextBox 5"/>
           <p:cNvSpPr txBox="1"/>
           <p:nvPr/>
         </p:nvSpPr>
         <p:spPr>
           <a:xfrm>
-            <a:off x="1524000" y="3152001"/>
-            <a:ext cx="1728550" cy="553998"/>
+            <a:off x="3693394" y="346791"/>
+            <a:ext cx="1757212" cy="369332"/>
           </a:xfrm>
           <a:prstGeom prst="rect">
             <a:avLst/>
@@ -3185,7 +3216,7 @@
           <a:noFill/>
         </p:spPr>
         <p:txBody>
-          <a:bodyPr wrap="none" rtlCol="0">
+          <a:bodyPr wrap="none" rtlCol="0" anchor="ctr">
             <a:spAutoFit/>
           </a:bodyPr>
           <a:lstStyle/>
@@ -3193,57 +3224,76 @@
             <a:pPr algn="ctr"/>
             <a:r>
               <a:rPr lang="en-US" dirty="0" smtClean="0"/>
-              <a:t>Packet Inspector</a:t>
-            </a:r>
-          </a:p>
-          <a:p>
-            <a:pPr algn="ctr"/>
-            <a:r>
-              <a:rPr lang="en-US" sz="1200" dirty="0" smtClean="0"/>
-              <a:t>(Inbound Handler)</a:t>
-            </a:r>
-            <a:endParaRPr lang="en-US" sz="1200" dirty="0"/>
-          </a:p>
-        </p:txBody>
-      </p:sp>
-      <p:cxnSp>
-        <p:nvCxnSpPr>
-          <p:cNvPr id="25" name="Straight Arrow Connector 24"/>
-          <p:cNvCxnSpPr>
-            <a:endCxn id="39" idx="1"/>
-          </p:cNvCxnSpPr>
+              <a:t>Channel Pipeline</a:t>
+            </a:r>
+          </a:p>
+        </p:txBody>
+      </p:sp>
+      <p:sp>
+        <p:nvSpPr>
+          <p:cNvPr id="7" name="TextBox 6"/>
+          <p:cNvSpPr txBox="1"/>
           <p:nvPr/>
-        </p:nvCxnSpPr>
-        <p:spPr>
-          <a:xfrm>
-            <a:off x="3252550" y="3429000"/>
-            <a:ext cx="471526" cy="0"/>
-          </a:xfrm>
-          <a:prstGeom prst="straightConnector1">
+        </p:nvSpPr>
+        <p:spPr>
+          <a:xfrm>
+            <a:off x="3528817" y="4162138"/>
+            <a:ext cx="2174634" cy="800219"/>
+          </a:xfrm>
+          <a:prstGeom prst="rect">
             <a:avLst/>
           </a:prstGeom>
+          <a:noFill/>
           <a:ln>
             <a:solidFill>
-              <a:srgbClr val="00B050"/>
+              <a:srgbClr val="FF0000"/>
             </a:solidFill>
-            <a:tailEnd type="arrow"/>
           </a:ln>
         </p:spPr>
-        <p:style>
-          <a:lnRef idx="1">
-            <a:schemeClr val="accent1"/>
-          </a:lnRef>
-          <a:fillRef idx="0">
-            <a:schemeClr val="accent1"/>
-          </a:fillRef>
-          <a:effectRef idx="0">
-            <a:schemeClr val="accent1"/>
-          </a:effectRef>
-          <a:fontRef idx="minor">
-            <a:schemeClr val="tx1"/>
-          </a:fontRef>
-        </p:style>
-      </p:cxnSp>
+        <p:txBody>
+          <a:bodyPr wrap="square" rtlCol="0">
+            <a:spAutoFit/>
+          </a:bodyPr>
+          <a:lstStyle/>
+          <a:p>
+            <a:pPr algn="ctr"/>
+            <a:r>
+              <a:rPr lang="en-US" dirty="0" smtClean="0"/>
+              <a:t>Connection </a:t>
+            </a:r>
+            <a:r>
+              <a:rPr lang="en-US" dirty="0" smtClean="0"/>
+              <a:t>Inspector</a:t>
+            </a:r>
+          </a:p>
+          <a:p>
+            <a:pPr algn="ctr"/>
+            <a:r>
+              <a:rPr lang="en-US" sz="1200" dirty="0" smtClean="0"/>
+              <a:t>(Inbound Handler</a:t>
+            </a:r>
+            <a:r>
+              <a:rPr lang="en-US" sz="1200" dirty="0" smtClean="0"/>
+              <a:t>)</a:t>
+            </a:r>
+          </a:p>
+          <a:p>
+            <a:pPr algn="ctr"/>
+            <a:r>
+              <a:rPr lang="en-US" sz="800" dirty="0"/>
+              <a:t>Self removes after </a:t>
+            </a:r>
+          </a:p>
+          <a:p>
+            <a:pPr algn="ctr"/>
+            <a:r>
+              <a:rPr lang="en-US" sz="800" dirty="0" smtClean="0"/>
+              <a:t>IP and UUID Ban check</a:t>
+            </a:r>
+            <a:endParaRPr lang="en-US" sz="800" dirty="0"/>
+          </a:p>
+        </p:txBody>
+      </p:sp>
       <p:cxnSp>
         <p:nvCxnSpPr>
           <p:cNvPr id="33" name="Straight Arrow Connector 32"/>
@@ -3252,7 +3302,7 @@
         </p:nvCxnSpPr>
         <p:spPr>
           <a:xfrm flipH="1">
-            <a:off x="773425" y="3581400"/>
+            <a:off x="714225" y="3325519"/>
             <a:ext cx="762000" cy="0"/>
           </a:xfrm>
           <a:prstGeom prst="straightConnector1">
@@ -3288,7 +3338,7 @@
         </p:nvCxnSpPr>
         <p:spPr>
           <a:xfrm>
-            <a:off x="773425" y="3427790"/>
+            <a:off x="706280" y="3474816"/>
             <a:ext cx="762000" cy="1210"/>
           </a:xfrm>
           <a:prstGeom prst="straightConnector1">
@@ -3341,13 +3391,8 @@
             <a:pPr algn="ctr"/>
             <a:r>
               <a:rPr lang="en-US" sz="1200" dirty="0" smtClean="0"/>
-              <a:t>Client - </a:t>
-            </a:r>
-            <a:r>
-              <a:rPr lang="en-US" sz="1200" dirty="0" err="1" smtClean="0"/>
-              <a:t>StarNub</a:t>
-            </a:r>
-            <a:endParaRPr lang="en-US" sz="1200" dirty="0" smtClean="0"/>
+              <a:t>Client - StarNub</a:t>
+            </a:r>
           </a:p>
         </p:txBody>
       </p:sp>
@@ -3375,18 +3420,9 @@
           <a:p>
             <a:pPr algn="ctr"/>
             <a:r>
-              <a:rPr lang="en-US" sz="1200" dirty="0" err="1" smtClean="0"/>
-              <a:t>StarNub</a:t>
-            </a:r>
-            <a:r>
               <a:rPr lang="en-US" sz="1200" dirty="0" smtClean="0"/>
-              <a:t> - </a:t>
-            </a:r>
-            <a:r>
-              <a:rPr lang="en-US" sz="1200" dirty="0" err="1" smtClean="0"/>
-              <a:t>Starbound</a:t>
-            </a:r>
-            <a:endParaRPr lang="en-US" sz="1200" dirty="0" smtClean="0"/>
+              <a:t>StarNub - Starbound</a:t>
+            </a:r>
           </a:p>
         </p:txBody>
       </p:sp>
@@ -3398,7 +3434,7 @@
         </p:nvSpPr>
         <p:spPr>
           <a:xfrm>
-            <a:off x="3724076" y="3152001"/>
+            <a:off x="5887871" y="3198422"/>
             <a:ext cx="1695849" cy="553998"/>
           </a:xfrm>
           <a:prstGeom prst="rect">
@@ -3436,7 +3472,7 @@
         </p:nvSpPr>
         <p:spPr>
           <a:xfrm>
-            <a:off x="3731641" y="1981200"/>
+            <a:off x="3412510" y="1971569"/>
             <a:ext cx="1680718" cy="553998"/>
           </a:xfrm>
           <a:prstGeom prst="rect">
@@ -3468,120 +3504,14 @@
       </p:sp>
       <p:cxnSp>
         <p:nvCxnSpPr>
-          <p:cNvPr id="44" name="Straight Arrow Connector 43"/>
-          <p:cNvCxnSpPr>
-            <a:endCxn id="42" idx="2"/>
-          </p:cNvCxnSpPr>
+          <p:cNvPr id="48" name="Straight Arrow Connector 47"/>
+          <p:cNvCxnSpPr/>
           <p:nvPr/>
         </p:nvCxnSpPr>
         <p:spPr>
-          <a:xfrm flipV="1">
-            <a:off x="4572000" y="2535198"/>
-            <a:ext cx="0" cy="616804"/>
-          </a:xfrm>
-          <a:prstGeom prst="straightConnector1">
-            <a:avLst/>
-          </a:prstGeom>
-          <a:ln>
-            <a:tailEnd type="arrow"/>
-          </a:ln>
-        </p:spPr>
-        <p:style>
-          <a:lnRef idx="1">
-            <a:schemeClr val="accent1"/>
-          </a:lnRef>
-          <a:fillRef idx="0">
-            <a:schemeClr val="accent1"/>
-          </a:fillRef>
-          <a:effectRef idx="0">
-            <a:schemeClr val="accent1"/>
-          </a:effectRef>
-          <a:fontRef idx="minor">
-            <a:schemeClr val="tx1"/>
-          </a:fontRef>
-        </p:style>
-      </p:cxnSp>
-      <p:sp>
-        <p:nvSpPr>
-          <p:cNvPr id="45" name="TextBox 44"/>
-          <p:cNvSpPr txBox="1"/>
-          <p:nvPr/>
-        </p:nvSpPr>
-        <p:spPr>
-          <a:xfrm>
-            <a:off x="4364251" y="2794974"/>
-            <a:ext cx="415499" cy="215444"/>
-          </a:xfrm>
-          <a:prstGeom prst="rect">
-            <a:avLst/>
-          </a:prstGeom>
-          <a:solidFill>
-            <a:schemeClr val="bg1"/>
-          </a:solidFill>
-        </p:spPr>
-        <p:txBody>
-          <a:bodyPr wrap="none" rtlCol="0">
-            <a:spAutoFit/>
-          </a:bodyPr>
-          <a:lstStyle/>
-          <a:p>
-            <a:pPr algn="ctr"/>
-            <a:r>
-              <a:rPr lang="en-US" sz="800" dirty="0" smtClean="0"/>
-              <a:t>ADDS</a:t>
-            </a:r>
-            <a:endParaRPr lang="en-US" sz="800" dirty="0"/>
-          </a:p>
-        </p:txBody>
-      </p:sp>
-      <p:sp>
-        <p:nvSpPr>
-          <p:cNvPr id="46" name="TextBox 45"/>
-          <p:cNvSpPr txBox="1"/>
-          <p:nvPr/>
-        </p:nvSpPr>
-        <p:spPr>
-          <a:xfrm>
-            <a:off x="101925" y="2794974"/>
-            <a:ext cx="1141595" cy="461665"/>
-          </a:xfrm>
-          <a:prstGeom prst="rect">
-            <a:avLst/>
-          </a:prstGeom>
-          <a:noFill/>
-        </p:spPr>
-        <p:txBody>
-          <a:bodyPr wrap="none" rtlCol="0">
-            <a:spAutoFit/>
-          </a:bodyPr>
-          <a:lstStyle/>
-          <a:p>
-            <a:pPr algn="ctr"/>
-            <a:r>
-              <a:rPr lang="en-US" sz="1200" dirty="0" smtClean="0"/>
-              <a:t>On Success of</a:t>
-            </a:r>
-          </a:p>
-          <a:p>
-            <a:r>
-              <a:rPr lang="en-US" sz="1200" dirty="0" smtClean="0"/>
-              <a:t>TCP Handshake</a:t>
-            </a:r>
-          </a:p>
-        </p:txBody>
-      </p:sp>
-      <p:cxnSp>
-        <p:nvCxnSpPr>
-          <p:cNvPr id="48" name="Straight Arrow Connector 47"/>
-          <p:cNvCxnSpPr>
-            <a:endCxn id="42" idx="3"/>
-          </p:cNvCxnSpPr>
-          <p:nvPr/>
-        </p:nvCxnSpPr>
-        <p:spPr>
           <a:xfrm flipH="1">
-            <a:off x="5412359" y="2258199"/>
-            <a:ext cx="2817242" cy="0"/>
+            <a:off x="7574680" y="1599335"/>
+            <a:ext cx="1038466" cy="0"/>
           </a:xfrm>
           <a:prstGeom prst="straightConnector1">
             <a:avLst/>
@@ -3616,8 +3546,8 @@
         </p:nvCxnSpPr>
         <p:spPr>
           <a:xfrm flipH="1" flipV="1">
-            <a:off x="890350" y="2258199"/>
-            <a:ext cx="2667000" cy="4710"/>
+            <a:off x="890350" y="2248308"/>
+            <a:ext cx="2157650" cy="521"/>
           </a:xfrm>
           <a:prstGeom prst="straightConnector1">
             <a:avLst/>
@@ -3647,15 +3577,13 @@
       <p:cxnSp>
         <p:nvCxnSpPr>
           <p:cNvPr id="53" name="Straight Arrow Connector 52"/>
-          <p:cNvCxnSpPr>
-            <a:stCxn id="39" idx="3"/>
-          </p:cNvCxnSpPr>
+          <p:cNvCxnSpPr/>
           <p:nvPr/>
         </p:nvCxnSpPr>
         <p:spPr>
-          <a:xfrm>
-            <a:off x="5419925" y="3429000"/>
-            <a:ext cx="2809675" cy="0"/>
+          <a:xfrm flipV="1">
+            <a:off x="7574680" y="3474816"/>
+            <a:ext cx="1143001" cy="1210"/>
           </a:xfrm>
           <a:prstGeom prst="straightConnector1">
             <a:avLst/>
@@ -3682,15 +3610,267 @@
           </a:fontRef>
         </p:style>
       </p:cxnSp>
-      <p:sp>
-        <p:nvSpPr>
-          <p:cNvPr id="58" name="TextBox 57"/>
+      <p:cxnSp>
+        <p:nvCxnSpPr>
+          <p:cNvPr id="27" name="Straight Arrow Connector 26"/>
+          <p:cNvCxnSpPr>
+            <a:stCxn id="39" idx="0"/>
+          </p:cNvCxnSpPr>
+          <p:nvPr/>
+        </p:nvCxnSpPr>
+        <p:spPr>
+          <a:xfrm flipH="1" flipV="1">
+            <a:off x="6728230" y="2543488"/>
+            <a:ext cx="7566" cy="654934"/>
+          </a:xfrm>
+          <a:prstGeom prst="straightConnector1">
+            <a:avLst/>
+          </a:prstGeom>
+          <a:ln>
+            <a:tailEnd type="arrow"/>
+          </a:ln>
+        </p:spPr>
+        <p:style>
+          <a:lnRef idx="1">
+            <a:schemeClr val="accent1"/>
+          </a:lnRef>
+          <a:fillRef idx="0">
+            <a:schemeClr val="accent1"/>
+          </a:fillRef>
+          <a:effectRef idx="0">
+            <a:schemeClr val="accent1"/>
+          </a:effectRef>
+          <a:fontRef idx="minor">
+            <a:schemeClr val="tx1"/>
+          </a:fontRef>
+        </p:style>
+      </p:cxnSp>
+      <p:sp>
+        <p:nvSpPr>
+          <p:cNvPr id="30" name="TextBox 29"/>
           <p:cNvSpPr txBox="1"/>
           <p:nvPr/>
         </p:nvSpPr>
         <p:spPr>
           <a:xfrm>
-            <a:off x="2180525" y="3840777"/>
+            <a:off x="5943015" y="1294461"/>
+            <a:ext cx="1640706" cy="800219"/>
+          </a:xfrm>
+          <a:prstGeom prst="rect">
+            <a:avLst/>
+          </a:prstGeom>
+          <a:noFill/>
+          <a:ln>
+            <a:solidFill>
+              <a:srgbClr val="FF0000"/>
+            </a:solidFill>
+          </a:ln>
+        </p:spPr>
+        <p:txBody>
+          <a:bodyPr wrap="none" rtlCol="0">
+            <a:spAutoFit/>
+          </a:bodyPr>
+          <a:lstStyle/>
+          <a:p>
+            <a:pPr algn="ctr"/>
+            <a:r>
+              <a:rPr lang="en-US" dirty="0" smtClean="0"/>
+              <a:t>Packet Decoder</a:t>
+            </a:r>
+            <a:endParaRPr lang="en-US" dirty="0" smtClean="0"/>
+          </a:p>
+          <a:p>
+            <a:pPr algn="ctr"/>
+            <a:r>
+              <a:rPr lang="en-US" sz="1200" dirty="0" smtClean="0"/>
+              <a:t>(Inbound Handler</a:t>
+            </a:r>
+            <a:r>
+              <a:rPr lang="en-US" sz="1200" dirty="0" smtClean="0"/>
+              <a:t>)</a:t>
+            </a:r>
+          </a:p>
+          <a:p>
+            <a:pPr algn="ctr"/>
+            <a:r>
+              <a:rPr lang="en-US" sz="800" dirty="0" smtClean="0"/>
+              <a:t>Self removes after </a:t>
+            </a:r>
+          </a:p>
+          <a:p>
+            <a:pPr algn="ctr"/>
+            <a:r>
+              <a:rPr lang="en-US" sz="800" dirty="0" smtClean="0"/>
+              <a:t>Packet ID 0: Protocol Version</a:t>
+            </a:r>
+            <a:endParaRPr lang="en-US" sz="800" dirty="0"/>
+          </a:p>
+        </p:txBody>
+      </p:sp>
+      <p:cxnSp>
+        <p:nvCxnSpPr>
+          <p:cNvPr id="35" name="Straight Arrow Connector 34"/>
+          <p:cNvCxnSpPr/>
+          <p:nvPr/>
+        </p:nvCxnSpPr>
+        <p:spPr>
+          <a:xfrm flipH="1">
+            <a:off x="5137261" y="2248568"/>
+            <a:ext cx="2999649" cy="0"/>
+          </a:xfrm>
+          <a:prstGeom prst="straightConnector1">
+            <a:avLst/>
+          </a:prstGeom>
+          <a:ln>
+            <a:solidFill>
+              <a:srgbClr val="00B050"/>
+            </a:solidFill>
+            <a:tailEnd type="arrow"/>
+          </a:ln>
+        </p:spPr>
+        <p:style>
+          <a:lnRef idx="1">
+            <a:schemeClr val="accent1"/>
+          </a:lnRef>
+          <a:fillRef idx="0">
+            <a:schemeClr val="accent1"/>
+          </a:fillRef>
+          <a:effectRef idx="0">
+            <a:schemeClr val="accent1"/>
+          </a:effectRef>
+          <a:fontRef idx="minor">
+            <a:schemeClr val="tx1"/>
+          </a:fontRef>
+        </p:style>
+      </p:cxnSp>
+      <p:sp>
+        <p:nvSpPr>
+          <p:cNvPr id="37" name="TextBox 36"/>
+          <p:cNvSpPr txBox="1"/>
+          <p:nvPr/>
+        </p:nvSpPr>
+        <p:spPr>
+          <a:xfrm>
+            <a:off x="1476225" y="3198422"/>
+            <a:ext cx="1640706" cy="553998"/>
+          </a:xfrm>
+          <a:prstGeom prst="rect">
+            <a:avLst/>
+          </a:prstGeom>
+          <a:noFill/>
+        </p:spPr>
+        <p:txBody>
+          <a:bodyPr wrap="none" rtlCol="0">
+            <a:spAutoFit/>
+          </a:bodyPr>
+          <a:lstStyle/>
+          <a:p>
+            <a:pPr algn="ctr"/>
+            <a:r>
+              <a:rPr lang="en-US" dirty="0" smtClean="0"/>
+              <a:t>Packet Decoder</a:t>
+            </a:r>
+            <a:endParaRPr lang="en-US" dirty="0" smtClean="0"/>
+          </a:p>
+          <a:p>
+            <a:pPr algn="ctr"/>
+            <a:r>
+              <a:rPr lang="en-US" sz="1200" dirty="0" smtClean="0"/>
+              <a:t>(Inbound Handler)</a:t>
+            </a:r>
+            <a:endParaRPr lang="en-US" sz="1200" dirty="0"/>
+          </a:p>
+        </p:txBody>
+      </p:sp>
+      <p:sp>
+        <p:nvSpPr>
+          <p:cNvPr id="43" name="TextBox 42"/>
+          <p:cNvSpPr txBox="1"/>
+          <p:nvPr/>
+        </p:nvSpPr>
+        <p:spPr>
+          <a:xfrm>
+            <a:off x="58580" y="2740744"/>
+            <a:ext cx="1295400" cy="584775"/>
+          </a:xfrm>
+          <a:prstGeom prst="rect">
+            <a:avLst/>
+          </a:prstGeom>
+          <a:noFill/>
+        </p:spPr>
+        <p:txBody>
+          <a:bodyPr wrap="square" rtlCol="0">
+            <a:spAutoFit/>
+          </a:bodyPr>
+          <a:lstStyle/>
+          <a:p>
+            <a:r>
+              <a:rPr lang="en-US" sz="800" dirty="0" smtClean="0"/>
+              <a:t>1. On </a:t>
+            </a:r>
+            <a:r>
+              <a:rPr lang="en-US" sz="800" dirty="0" smtClean="0"/>
+              <a:t>Success of</a:t>
+            </a:r>
+          </a:p>
+          <a:p>
+            <a:r>
+              <a:rPr lang="en-US" sz="800" dirty="0" smtClean="0"/>
+              <a:t>TCP </a:t>
+            </a:r>
+            <a:r>
+              <a:rPr lang="en-US" sz="800" dirty="0" smtClean="0"/>
+              <a:t>Handshake we will send the server version to the client.</a:t>
+            </a:r>
+            <a:endParaRPr lang="en-US" sz="800" dirty="0" smtClean="0"/>
+          </a:p>
+        </p:txBody>
+      </p:sp>
+      <p:cxnSp>
+        <p:nvCxnSpPr>
+          <p:cNvPr id="52" name="Elbow Connector 51"/>
+          <p:cNvCxnSpPr>
+            <a:stCxn id="39" idx="0"/>
+            <a:endCxn id="42" idx="2"/>
+          </p:cNvCxnSpPr>
+          <p:nvPr/>
+        </p:nvCxnSpPr>
+        <p:spPr>
+          <a:xfrm rot="16200000" flipV="1">
+            <a:off x="5157906" y="1620531"/>
+            <a:ext cx="672855" cy="2482927"/>
+          </a:xfrm>
+          <a:prstGeom prst="bentConnector3">
+            <a:avLst/>
+          </a:prstGeom>
+          <a:ln>
+            <a:tailEnd type="triangle"/>
+          </a:ln>
+        </p:spPr>
+        <p:style>
+          <a:lnRef idx="1">
+            <a:schemeClr val="accent1"/>
+          </a:lnRef>
+          <a:fillRef idx="0">
+            <a:schemeClr val="accent1"/>
+          </a:fillRef>
+          <a:effectRef idx="0">
+            <a:schemeClr val="accent1"/>
+          </a:effectRef>
+          <a:fontRef idx="minor">
+            <a:schemeClr val="tx1"/>
+          </a:fontRef>
+        </p:style>
+      </p:cxnSp>
+      <p:sp>
+        <p:nvSpPr>
+          <p:cNvPr id="45" name="TextBox 44"/>
+          <p:cNvSpPr txBox="1"/>
+          <p:nvPr/>
+        </p:nvSpPr>
+        <p:spPr>
+          <a:xfrm>
+            <a:off x="6520480" y="2747343"/>
             <a:ext cx="415499" cy="215444"/>
           </a:xfrm>
           <a:prstGeom prst="rect">
@@ -3717,22 +3897,26 @@
       </p:sp>
       <p:cxnSp>
         <p:nvCxnSpPr>
-          <p:cNvPr id="72" name="Elbow Connector 71"/>
-          <p:cNvCxnSpPr/>
+          <p:cNvPr id="62" name="Elbow Connector 61"/>
+          <p:cNvCxnSpPr>
+            <a:stCxn id="30" idx="1"/>
+            <a:endCxn id="42" idx="0"/>
+          </p:cNvCxnSpPr>
           <p:nvPr/>
         </p:nvCxnSpPr>
         <p:spPr>
-          <a:xfrm rot="5400000" flipH="1" flipV="1">
-            <a:off x="3219113" y="2060138"/>
-            <a:ext cx="12700" cy="2183726"/>
-          </a:xfrm>
-          <a:prstGeom prst="bentConnector3">
-            <a:avLst>
-              <a:gd name="adj1" fmla="val 1509087"/>
-            </a:avLst>
+          <a:xfrm rot="10800000" flipV="1">
+            <a:off x="4252869" y="1694571"/>
+            <a:ext cx="1690146" cy="276998"/>
+          </a:xfrm>
+          <a:prstGeom prst="bentConnector2">
+            <a:avLst/>
           </a:prstGeom>
           <a:ln>
-            <a:tailEnd type="arrow"/>
+            <a:solidFill>
+              <a:srgbClr val="00B050"/>
+            </a:solidFill>
+            <a:tailEnd type="triangle"/>
           </a:ln>
         </p:spPr>
         <p:style>
@@ -3752,21 +3936,149 @@
       </p:cxnSp>
       <p:sp>
         <p:nvSpPr>
-          <p:cNvPr id="75" name="TextBox 74"/>
+          <p:cNvPr id="65" name="TextBox 64"/>
           <p:cNvSpPr txBox="1"/>
           <p:nvPr/>
         </p:nvSpPr>
         <p:spPr>
           <a:xfrm>
-            <a:off x="3017712" y="2889815"/>
-            <a:ext cx="415499" cy="215444"/>
+            <a:off x="76200" y="3605776"/>
+            <a:ext cx="1295400" cy="461665"/>
           </a:xfrm>
           <a:prstGeom prst="rect">
             <a:avLst/>
           </a:prstGeom>
-          <a:solidFill>
-            <a:schemeClr val="bg1"/>
-          </a:solidFill>
+          <a:noFill/>
+        </p:spPr>
+        <p:txBody>
+          <a:bodyPr wrap="square" rtlCol="0">
+            <a:spAutoFit/>
+          </a:bodyPr>
+          <a:lstStyle/>
+          <a:p>
+            <a:r>
+              <a:rPr lang="en-US" sz="800" dirty="0"/>
+              <a:t>2</a:t>
+            </a:r>
+            <a:r>
+              <a:rPr lang="en-US" sz="800" dirty="0" smtClean="0"/>
+              <a:t>. Client will send the wrapper the client connect packet.</a:t>
+            </a:r>
+            <a:endParaRPr lang="en-US" sz="800" dirty="0" smtClean="0"/>
+          </a:p>
+        </p:txBody>
+      </p:sp>
+      <p:cxnSp>
+        <p:nvCxnSpPr>
+          <p:cNvPr id="67" name="Elbow Connector 66"/>
+          <p:cNvCxnSpPr>
+            <a:stCxn id="37" idx="2"/>
+            <a:endCxn id="7" idx="1"/>
+          </p:cNvCxnSpPr>
+          <p:nvPr/>
+        </p:nvCxnSpPr>
+        <p:spPr>
+          <a:xfrm rot="16200000" flipH="1">
+            <a:off x="2507783" y="3541214"/>
+            <a:ext cx="809828" cy="1232239"/>
+          </a:xfrm>
+          <a:prstGeom prst="bentConnector2">
+            <a:avLst/>
+          </a:prstGeom>
+          <a:ln>
+            <a:solidFill>
+              <a:srgbClr val="00B050"/>
+            </a:solidFill>
+            <a:tailEnd type="triangle"/>
+          </a:ln>
+        </p:spPr>
+        <p:style>
+          <a:lnRef idx="1">
+            <a:schemeClr val="accent1"/>
+          </a:lnRef>
+          <a:fillRef idx="0">
+            <a:schemeClr val="accent1"/>
+          </a:fillRef>
+          <a:effectRef idx="0">
+            <a:schemeClr val="accent1"/>
+          </a:effectRef>
+          <a:fontRef idx="minor">
+            <a:schemeClr val="tx1"/>
+          </a:fontRef>
+        </p:style>
+      </p:cxnSp>
+      <p:sp>
+        <p:nvSpPr>
+          <p:cNvPr id="78" name="TextBox 77"/>
+          <p:cNvSpPr txBox="1"/>
+          <p:nvPr/>
+        </p:nvSpPr>
+        <p:spPr>
+          <a:xfrm>
+            <a:off x="3528817" y="4947673"/>
+            <a:ext cx="3779455" cy="1692771"/>
+          </a:xfrm>
+          <a:prstGeom prst="rect">
+            <a:avLst/>
+          </a:prstGeom>
+          <a:noFill/>
+        </p:spPr>
+        <p:txBody>
+          <a:bodyPr wrap="square" rtlCol="0">
+            <a:spAutoFit/>
+          </a:bodyPr>
+          <a:lstStyle/>
+          <a:p>
+            <a:r>
+              <a:rPr lang="en-US" sz="800" dirty="0" smtClean="0"/>
+              <a:t>3. The channels remote IP (Client) will  be checked against the banned IPs array. Then the UUID. If the UUID is found to be banned, we will then add the users new IP to the banned IPs in SQLite which will automatically update the banned IP array.</a:t>
+            </a:r>
+          </a:p>
+          <a:p>
+            <a:endParaRPr lang="en-US" sz="800" dirty="0"/>
+          </a:p>
+          <a:p>
+            <a:r>
+              <a:rPr lang="en-US" sz="800" dirty="0" smtClean="0"/>
+              <a:t>If not banned we will setup the packet encoder and server frontend. The front end will open a connection from StarNub to Starbound Server and add a Backend Handler to handle the data from the server to the client. The first packet after we open the connection will be the server version which we will discard due to not needing it .</a:t>
+            </a:r>
+          </a:p>
+          <a:p>
+            <a:endParaRPr lang="en-US" sz="800" dirty="0"/>
+          </a:p>
+          <a:p>
+            <a:r>
+              <a:rPr lang="en-US" sz="800" dirty="0" smtClean="0"/>
+              <a:t>We do this so that we do not have to unnecessarily open a connection to the server if the player is banned. We do not want them past the wrapper.</a:t>
+            </a:r>
+          </a:p>
+          <a:p>
+            <a:endParaRPr lang="en-US" sz="800" dirty="0"/>
+          </a:p>
+          <a:p>
+            <a:r>
+              <a:rPr lang="en-US" sz="800" dirty="0" smtClean="0"/>
+              <a:t>Once the </a:t>
+            </a:r>
+            <a:endParaRPr lang="en-US" sz="800" dirty="0" smtClean="0"/>
+          </a:p>
+        </p:txBody>
+      </p:sp>
+      <p:sp>
+        <p:nvSpPr>
+          <p:cNvPr id="79" name="TextBox 78"/>
+          <p:cNvSpPr txBox="1"/>
+          <p:nvPr/>
+        </p:nvSpPr>
+        <p:spPr>
+          <a:xfrm>
+            <a:off x="4142540" y="3198422"/>
+            <a:ext cx="1616661" cy="553998"/>
+          </a:xfrm>
+          <a:prstGeom prst="rect">
+            <a:avLst/>
+          </a:prstGeom>
+          <a:noFill/>
         </p:spPr>
         <p:txBody>
           <a:bodyPr wrap="none" rtlCol="0">
@@ -3776,10 +4088,237 @@
           <a:p>
             <a:pPr algn="ctr"/>
             <a:r>
+              <a:rPr lang="en-US" dirty="0" smtClean="0"/>
+              <a:t>Packet Encoder</a:t>
+            </a:r>
+            <a:endParaRPr lang="en-US" dirty="0" smtClean="0"/>
+          </a:p>
+          <a:p>
+            <a:pPr algn="ctr"/>
+            <a:r>
+              <a:rPr lang="en-US" sz="1200" dirty="0" smtClean="0"/>
+              <a:t>(Outbound </a:t>
+            </a:r>
+            <a:r>
+              <a:rPr lang="en-US" sz="1200" dirty="0" smtClean="0"/>
+              <a:t>Handler)</a:t>
+            </a:r>
+            <a:endParaRPr lang="en-US" sz="1200" dirty="0"/>
+          </a:p>
+        </p:txBody>
+      </p:sp>
+      <p:cxnSp>
+        <p:nvCxnSpPr>
+          <p:cNvPr id="81" name="Elbow Connector 80"/>
+          <p:cNvCxnSpPr>
+            <a:stCxn id="7" idx="3"/>
+            <a:endCxn id="79" idx="2"/>
+          </p:cNvCxnSpPr>
+          <p:nvPr/>
+        </p:nvCxnSpPr>
+        <p:spPr>
+          <a:xfrm flipH="1" flipV="1">
+            <a:off x="4950871" y="3752420"/>
+            <a:ext cx="752580" cy="809828"/>
+          </a:xfrm>
+          <a:prstGeom prst="bentConnector4">
+            <a:avLst>
+              <a:gd name="adj1" fmla="val -30376"/>
+              <a:gd name="adj2" fmla="val 74703"/>
+            </a:avLst>
+          </a:prstGeom>
+          <a:ln>
+            <a:tailEnd type="triangle"/>
+          </a:ln>
+        </p:spPr>
+        <p:style>
+          <a:lnRef idx="1">
+            <a:schemeClr val="accent1"/>
+          </a:lnRef>
+          <a:fillRef idx="0">
+            <a:schemeClr val="accent1"/>
+          </a:fillRef>
+          <a:effectRef idx="0">
+            <a:schemeClr val="accent1"/>
+          </a:effectRef>
+          <a:fontRef idx="minor">
+            <a:schemeClr val="tx1"/>
+          </a:fontRef>
+        </p:style>
+      </p:cxnSp>
+      <p:cxnSp>
+        <p:nvCxnSpPr>
+          <p:cNvPr id="83" name="Elbow Connector 82"/>
+          <p:cNvCxnSpPr>
+            <a:stCxn id="7" idx="3"/>
+            <a:endCxn id="39" idx="2"/>
+          </p:cNvCxnSpPr>
+          <p:nvPr/>
+        </p:nvCxnSpPr>
+        <p:spPr>
+          <a:xfrm flipV="1">
+            <a:off x="5703451" y="3752420"/>
+            <a:ext cx="1032345" cy="809828"/>
+          </a:xfrm>
+          <a:prstGeom prst="bentConnector2">
+            <a:avLst/>
+          </a:prstGeom>
+          <a:ln>
+            <a:tailEnd type="triangle"/>
+          </a:ln>
+        </p:spPr>
+        <p:style>
+          <a:lnRef idx="1">
+            <a:schemeClr val="accent1"/>
+          </a:lnRef>
+          <a:fillRef idx="0">
+            <a:schemeClr val="accent1"/>
+          </a:fillRef>
+          <a:effectRef idx="0">
+            <a:schemeClr val="accent1"/>
+          </a:effectRef>
+          <a:fontRef idx="minor">
+            <a:schemeClr val="tx1"/>
+          </a:fontRef>
+        </p:style>
+      </p:cxnSp>
+      <p:sp useBgFill="1">
+        <p:nvSpPr>
+          <p:cNvPr id="50" name="TextBox 49"/>
+          <p:cNvSpPr txBox="1"/>
+          <p:nvPr/>
+        </p:nvSpPr>
+        <p:spPr>
+          <a:xfrm>
+            <a:off x="5804124" y="4439136"/>
+            <a:ext cx="415499" cy="215444"/>
+          </a:xfrm>
+          <a:prstGeom prst="rect">
+            <a:avLst/>
+          </a:prstGeom>
+        </p:spPr>
+        <p:txBody>
+          <a:bodyPr wrap="none" rtlCol="0">
+            <a:spAutoFit/>
+          </a:bodyPr>
+          <a:lstStyle/>
+          <a:p>
+            <a:pPr algn="ctr"/>
+            <a:r>
               <a:rPr lang="en-US" sz="800" dirty="0" smtClean="0"/>
               <a:t>ADDS</a:t>
             </a:r>
             <a:endParaRPr lang="en-US" sz="800" dirty="0"/>
+          </a:p>
+        </p:txBody>
+      </p:sp>
+      <p:cxnSp>
+        <p:nvCxnSpPr>
+          <p:cNvPr id="88" name="Straight Arrow Connector 87"/>
+          <p:cNvCxnSpPr/>
+          <p:nvPr/>
+        </p:nvCxnSpPr>
+        <p:spPr>
+          <a:xfrm>
+            <a:off x="3251870" y="3474816"/>
+            <a:ext cx="762000" cy="1210"/>
+          </a:xfrm>
+          <a:prstGeom prst="straightConnector1">
+            <a:avLst/>
+          </a:prstGeom>
+          <a:ln>
+            <a:solidFill>
+              <a:srgbClr val="00B050"/>
+            </a:solidFill>
+            <a:tailEnd type="arrow"/>
+          </a:ln>
+        </p:spPr>
+        <p:style>
+          <a:lnRef idx="1">
+            <a:schemeClr val="accent1"/>
+          </a:lnRef>
+          <a:fillRef idx="0">
+            <a:schemeClr val="accent1"/>
+          </a:fillRef>
+          <a:effectRef idx="0">
+            <a:schemeClr val="accent1"/>
+          </a:effectRef>
+          <a:fontRef idx="minor">
+            <a:schemeClr val="tx1"/>
+          </a:fontRef>
+        </p:style>
+      </p:cxnSp>
+      <p:cxnSp>
+        <p:nvCxnSpPr>
+          <p:cNvPr id="89" name="Straight Arrow Connector 88"/>
+          <p:cNvCxnSpPr/>
+          <p:nvPr/>
+        </p:nvCxnSpPr>
+        <p:spPr>
+          <a:xfrm>
+            <a:off x="5722051" y="3529065"/>
+            <a:ext cx="289822" cy="1210"/>
+          </a:xfrm>
+          <a:prstGeom prst="straightConnector1">
+            <a:avLst/>
+          </a:prstGeom>
+          <a:ln>
+            <a:solidFill>
+              <a:srgbClr val="00B050"/>
+            </a:solidFill>
+            <a:tailEnd type="arrow"/>
+          </a:ln>
+        </p:spPr>
+        <p:style>
+          <a:lnRef idx="1">
+            <a:schemeClr val="accent1"/>
+          </a:lnRef>
+          <a:fillRef idx="0">
+            <a:schemeClr val="accent1"/>
+          </a:fillRef>
+          <a:effectRef idx="0">
+            <a:schemeClr val="accent1"/>
+          </a:effectRef>
+          <a:fontRef idx="minor">
+            <a:schemeClr val="tx1"/>
+          </a:fontRef>
+        </p:style>
+      </p:cxnSp>
+      <p:sp>
+        <p:nvSpPr>
+          <p:cNvPr id="93" name="TextBox 92"/>
+          <p:cNvSpPr txBox="1"/>
+          <p:nvPr/>
+        </p:nvSpPr>
+        <p:spPr>
+          <a:xfrm>
+            <a:off x="4794842" y="3058920"/>
+            <a:ext cx="1893467" cy="215444"/>
+          </a:xfrm>
+          <a:prstGeom prst="rect">
+            <a:avLst/>
+          </a:prstGeom>
+          <a:noFill/>
+        </p:spPr>
+        <p:txBody>
+          <a:bodyPr wrap="none" rtlCol="0">
+            <a:spAutoFit/>
+          </a:bodyPr>
+          <a:lstStyle/>
+          <a:p>
+            <a:r>
+              <a:rPr lang="en-US" sz="800" dirty="0" smtClean="0">
+                <a:solidFill>
+                  <a:srgbClr val="FF0000"/>
+                </a:solidFill>
+              </a:rPr>
+              <a:t>Encoder and front end may be combined</a:t>
+            </a:r>
+            <a:endParaRPr lang="en-US" sz="800" dirty="0">
+              <a:solidFill>
+                <a:srgbClr val="FF0000"/>
+              </a:solidFill>
+            </a:endParaRPr>
           </a:p>
         </p:txBody>
       </p:sp>
@@ -3870,7 +4409,7 @@
         <p:spPr>
           <a:xfrm>
             <a:off x="3707725" y="319875"/>
-            <a:ext cx="1728550" cy="553998"/>
+            <a:ext cx="1728550" cy="830997"/>
           </a:xfrm>
           <a:prstGeom prst="rect">
             <a:avLst/>
@@ -3886,7 +4425,18 @@
             <a:pPr algn="ctr"/>
             <a:r>
               <a:rPr lang="en-US" dirty="0" smtClean="0"/>
-              <a:t>Packet Inspector</a:t>
+              <a:t>OLD</a:t>
+            </a:r>
+          </a:p>
+          <a:p>
+            <a:pPr algn="ctr"/>
+            <a:r>
+              <a:rPr lang="en-US" dirty="0" smtClean="0"/>
+              <a:t>Packet </a:t>
+            </a:r>
+            <a:r>
+              <a:rPr lang="en-US" dirty="0" smtClean="0"/>
+              <a:t>Inspector</a:t>
             </a:r>
           </a:p>
           <a:p>
@@ -4023,15 +4573,7 @@
               <a:pPr algn="ctr"/>
               <a:r>
                 <a:rPr lang="en-US" sz="800" dirty="0" smtClean="0"/>
-                <a:t>Close the channel  (IP, UUID</a:t>
-              </a:r>
-              <a:r>
-                <a:rPr lang="en-US" sz="800" dirty="0" smtClean="0"/>
-                <a:t> &amp;</a:t>
-              </a:r>
-              <a:r>
-                <a:rPr lang="en-US" sz="800" dirty="0" smtClean="0"/>
-                <a:t> </a:t>
+                <a:t>Close the channel  (IP, UUID &amp; </a:t>
               </a:r>
               <a:r>
                 <a:rPr lang="en-US" sz="800" dirty="0" err="1" smtClean="0"/>
@@ -4177,11 +4719,7 @@
             </a:r>
             <a:r>
               <a:rPr lang="en-US" sz="1200" dirty="0" err="1" smtClean="0"/>
-              <a:t>uuidBan</a:t>
-            </a:r>
-            <a:r>
-              <a:rPr lang="en-US" sz="1200" dirty="0" err="1" smtClean="0"/>
-              <a:t>Check</a:t>
+              <a:t>uuidBanCheck</a:t>
             </a:r>
             <a:r>
               <a:rPr lang="en-US" sz="1200" dirty="0" smtClean="0"/>
@@ -4204,11 +4742,7 @@
             </a:r>
             <a:r>
               <a:rPr lang="en-US" sz="1200" dirty="0" smtClean="0"/>
-              <a:t>       if (</a:t>
-            </a:r>
-            <a:r>
-              <a:rPr lang="en-US" sz="1200" dirty="0" smtClean="0"/>
-              <a:t>!</a:t>
+              <a:t>       if (!</a:t>
             </a:r>
             <a:r>
               <a:rPr lang="en-US" sz="1200" dirty="0" err="1" smtClean="0"/>
@@ -4792,15 +5326,7 @@
           <a:p>
             <a:r>
               <a:rPr lang="en-US" sz="1050" dirty="0" smtClean="0"/>
-              <a:t>When the client sends the client connect packet we will check the UUID to insure no UUID ban. If not UUID banned the clients IP will still be considered untrusted and we will examine the packet IDs for a while. Until we deem the client to be trusted. Trust will be reset randomly to ensure client remains trusted. For each non </a:t>
-            </a:r>
-            <a:r>
-              <a:rPr lang="en-US" sz="1050" dirty="0" err="1" smtClean="0"/>
-              <a:t>Starbound</a:t>
-            </a:r>
-            <a:r>
-              <a:rPr lang="en-US" sz="1050" dirty="0" smtClean="0"/>
-              <a:t> packet we will log it and discard the packet. After a 10 or more are received we will then kill the channel. The information will be logged and the IP added to a watch list. If the IP sends bad packets and has his connection closed more then 3? Times we will add the IP to the ban list and note it.</a:t>
+              <a:t>When the client sends the client connect packet we will check the UUID to insure no UUID ban. If not UUID banned the clients IP will still be considered untrusted and we will examine the packet IDs for a while. Until we deem the client to be trusted. Trust will be reset randomly to ensure client remains trusted. For each non Starbound packet we will log it and discard the packet. After a 10 or more are received we will then kill the channel. The information will be logged and the IP added to a watch list. If the IP sends bad packets and has his connection closed more then 3? Times we will add the IP to the ban list and note it.</a:t>
             </a:r>
           </a:p>
         </p:txBody>
